--- a/lectures/lecture-22/Lecture-Live B00/Lecture 22 - Lecture.pptx
+++ b/lectures/lecture-22/Lecture-Live B00/Lecture 22 - Lecture.pptx
@@ -142,6 +142,134 @@
     </p:ext>
   </p:extLst>
 </p:presentation>
+</file>
+
+<file path=ppt/ink/ink1.xml><?xml version="1.0" encoding="utf-8"?>
+<inkml:ink xmlns:inkml="http://www.w3.org/2003/InkML">
+  <inkml:definitions>
+    <inkml:context xml:id="ctx0">
+      <inkml:inkSource xml:id="inkSrc0">
+        <inkml:traceFormat>
+          <inkml:channel name="X" type="integer" min="-2.14748E9" max="2.14748E9" units="cm"/>
+          <inkml:channel name="Y" type="integer" min="-2.14748E9" max="2.14748E9" units="cm"/>
+          <inkml:channel name="F" type="integer" max="32767" units="dev"/>
+          <inkml:channel name="OA" type="integer" max="360" units="deg"/>
+          <inkml:channel name="OE" type="integer" max="90" units="deg"/>
+        </inkml:traceFormat>
+        <inkml:channelProperties>
+          <inkml:channelProperty channel="X" name="resolution" value="1000" units="1/cm"/>
+          <inkml:channelProperty channel="Y" name="resolution" value="1000" units="1/cm"/>
+          <inkml:channelProperty channel="F" name="resolution" value="0" units="1/dev"/>
+          <inkml:channelProperty channel="OA" name="resolution" value="1000" units="1/deg"/>
+          <inkml:channelProperty channel="OE" name="resolution" value="1000" units="1/deg"/>
+        </inkml:channelProperties>
+      </inkml:inkSource>
+      <inkml:timestamp xml:id="ts0" timeString="2020-11-30T18:00:25.675"/>
+    </inkml:context>
+    <inkml:brush xml:id="br0">
+      <inkml:brushProperty name="width" value="0.05" units="cm"/>
+      <inkml:brushProperty name="height" value="0.05" units="cm"/>
+      <inkml:brushProperty name="color" value="#004F8B"/>
+    </inkml:brush>
+  </inkml:definitions>
+  <inkml:trace contextRef="#ctx0" brushRef="#br0">49 0 6448 0 0,'-24'3'619'0'0,"0"0"9648"0"0,25-4-9404 0 0,9 0-421 0 0,-1 1 0 0 0,1 0 0 0 0,0 0 0 0 0,-1 1 1 0 0,1 1-1 0 0,-1-1 0 0 0,14 5 0 0 0,-5-2-19 0 0,76 17 1041 0 0,269 43 1298 0 0,-235-54-1894 0 0,177-9 0 0 0,-164-9-410 0 0,258-2 644 0 0,-332 12-625 0 0,-1 4 1 0 0,128 28-1 0 0,-189-32-456 0 0,0-1 1 0 0,-1 0-1 0 0,1 0 0 0 0,0 0 1 0 0,0-1-1 0 0,0 1 0 0 0,0-1 1 0 0,10-2-1 0 0,-10 2-5 0 0,-4 0 34 0 0,0-1 1 0 0,-1 1-1 0 0,1 0 0 0 0,0 0 1 0 0,-1-1-1 0 0,1 1 0 0 0,0-1 1 0 0,-1 1-1 0 0,1-1 0 0 0,0 1 0 0 0,-1-1 1 0 0,1 1-1 0 0,-1-1 0 0 0,1 1 1 0 0,-1-1-1 0 0,1 0 0 0 0,-1 1 1 0 0,0-1-1 0 0,1 0 0 0 0,-1 1 1 0 0,1-2-1 0 0,3-8-752 0 0,-3 3-4536 0 0</inkml:trace>
+</inkml:ink>
+</file>
+
+<file path=ppt/ink/ink2.xml><?xml version="1.0" encoding="utf-8"?>
+<inkml:ink xmlns:inkml="http://www.w3.org/2003/InkML">
+  <inkml:definitions>
+    <inkml:context xml:id="ctx0">
+      <inkml:inkSource xml:id="inkSrc0">
+        <inkml:traceFormat>
+          <inkml:channel name="X" type="integer" min="-2.14748E9" max="2.14748E9" units="cm"/>
+          <inkml:channel name="Y" type="integer" min="-2.14748E9" max="2.14748E9" units="cm"/>
+          <inkml:channel name="F" type="integer" max="32767" units="dev"/>
+          <inkml:channel name="OA" type="integer" max="360" units="deg"/>
+          <inkml:channel name="OE" type="integer" max="90" units="deg"/>
+        </inkml:traceFormat>
+        <inkml:channelProperties>
+          <inkml:channelProperty channel="X" name="resolution" value="1000" units="1/cm"/>
+          <inkml:channelProperty channel="Y" name="resolution" value="1000" units="1/cm"/>
+          <inkml:channelProperty channel="F" name="resolution" value="0" units="1/dev"/>
+          <inkml:channelProperty channel="OA" name="resolution" value="1000" units="1/deg"/>
+          <inkml:channelProperty channel="OE" name="resolution" value="1000" units="1/deg"/>
+        </inkml:channelProperties>
+      </inkml:inkSource>
+      <inkml:timestamp xml:id="ts0" timeString="2020-11-30T18:00:27.881"/>
+    </inkml:context>
+    <inkml:brush xml:id="br0">
+      <inkml:brushProperty name="width" value="0.05" units="cm"/>
+      <inkml:brushProperty name="height" value="0.05" units="cm"/>
+      <inkml:brushProperty name="color" value="#004F8B"/>
+    </inkml:brush>
+  </inkml:definitions>
+  <inkml:trace contextRef="#ctx0" brushRef="#br0">62 92 11952 0 0,'-2'-1'72'0'0,"1"1"0"0"0,0-1 1 0 0,-1 1-1 0 0,1-1 0 0 0,0 1 1 0 0,-1-1-1 0 0,1 1 0 0 0,0 0 1 0 0,-1 0-1 0 0,1 0 0 0 0,-1 0 1 0 0,1 0-1 0 0,0 0 0 0 0,-1 0 1 0 0,1 0-1 0 0,-3 1 0 0 0,-15 0 651 0 0,11 0 388 0 0,7-1-1004 0 0,1 0 0 0 0,0 0 0 0 0,0 0 0 0 0,0 0 0 0 0,-1 0 0 0 0,1 0 0 0 0,0 0 0 0 0,0 0 0 0 0,-7-4 5458 0 0,9 4-5154 0 0,89 17 1112 0 0,-40-8-714 0 0,-15-5-341 0 0,40 2-1 0 0,-32-4 58 0 0,194 3 1175 0 0,-174-6-1531 0 0,478-8 848 0 0,-3-5 472 0 0,-429 10-1203 0 0,236-13 605 0 0,-140-1-210 0 0,-70-4-189 0 0,-131 21-461 0 0,1-1 1 0 0,-1 0-1 0 0,0 0 0 0 0,0 0 1 0 0,9-6-1 0 0,-12 8-10 0 0,-1-1-18 0 0,-1 1-1 0 0,1 0 0 0 0,-1 0 1 0 0,0 0-1 0 0,1 0 0 0 0,-1-1 1 0 0,0 1-1 0 0,1 0 0 0 0,-1 0 1 0 0,1-1-1 0 0,-1 1 1 0 0,0 0-1 0 0,0 0 0 0 0,1-1 1 0 0,-1 1-1 0 0,0 0 0 0 0,1-1 1 0 0,-1 1-1 0 0,0-1 0 0 0,0 1 1 0 0,0 0-1 0 0,1-1 0 0 0,-1 1 1 0 0,0-1-1 0 0,0 1 0 0 0,0 0 1 0 0,0-1-1 0 0,0 1 0 0 0,0-1 1 0 0,0 1-1 0 0,0-1 0 0 0,0 1 1 0 0,0 0-1 0 0,0-1 0 0 0,0 1 1 0 0,0-1-1 0 0,-3-6-2 0 0,-3 4-93 0 0,2 1-1204 0 0,-5-1 1416 0 0</inkml:trace>
+</inkml:ink>
+</file>
+
+<file path=ppt/ink/ink3.xml><?xml version="1.0" encoding="utf-8"?>
+<inkml:ink xmlns:inkml="http://www.w3.org/2003/InkML">
+  <inkml:definitions>
+    <inkml:context xml:id="ctx0">
+      <inkml:inkSource xml:id="inkSrc0">
+        <inkml:traceFormat>
+          <inkml:channel name="X" type="integer" min="-2.14748E9" max="2.14748E9" units="cm"/>
+          <inkml:channel name="Y" type="integer" min="-2.14748E9" max="2.14748E9" units="cm"/>
+          <inkml:channel name="F" type="integer" max="32767" units="dev"/>
+          <inkml:channel name="OA" type="integer" max="360" units="deg"/>
+          <inkml:channel name="OE" type="integer" max="90" units="deg"/>
+        </inkml:traceFormat>
+        <inkml:channelProperties>
+          <inkml:channelProperty channel="X" name="resolution" value="1000" units="1/cm"/>
+          <inkml:channelProperty channel="Y" name="resolution" value="1000" units="1/cm"/>
+          <inkml:channelProperty channel="F" name="resolution" value="0" units="1/dev"/>
+          <inkml:channelProperty channel="OA" name="resolution" value="1000" units="1/deg"/>
+          <inkml:channelProperty channel="OE" name="resolution" value="1000" units="1/deg"/>
+        </inkml:channelProperties>
+      </inkml:inkSource>
+      <inkml:timestamp xml:id="ts0" timeString="2020-11-30T18:00:30.002"/>
+    </inkml:context>
+    <inkml:brush xml:id="br0">
+      <inkml:brushProperty name="width" value="0.05" units="cm"/>
+      <inkml:brushProperty name="height" value="0.05" units="cm"/>
+      <inkml:brushProperty name="color" value="#004F8B"/>
+    </inkml:brush>
+  </inkml:definitions>
+  <inkml:trace contextRef="#ctx0" brushRef="#br0">47 0 6448 0 0,'-18'19'1056'0'0,"-10"-5"19543"0"0,32-14-20420 0 0,0-1-1 0 0,0 1 1 0 0,0-1 0 0 0,0 1-1 0 0,-1 0 1 0 0,1 1 0 0 0,0-1-1 0 0,0 1 1 0 0,0 0 0 0 0,6 2-1 0 0,15 1 226 0 0,-11-1-202 0 0,-1 0 0 0 0,0 1 0 0 0,0 0 0 0 0,14 6 0 0 0,-5-1-30 0 0,12 4-140 0 0,20 7 0 0 0,58 14 1 0 0,10-9 291 0 0,0-6 1 0 0,205 7-1 0 0,439-21-281 0 0,-441-20-43 0 0,-158 5-215 0 0,-150 10 234 0 0,-1 1 0 0 0,0 0 0 0 0,18 3-1 0 0,-15-1 52 0 0,26 0 0 0 0,-11 1-105 0 0,-34-4-145 0 0,0-1 123 0 0,0 1-1 0 0,0 0 0 0 0,0 0 1 0 0,0 0-1 0 0,0 0 1 0 0,0-1-1 0 0,0 1 0 0 0,0 0 1 0 0,0 0-1 0 0,0 0 0 0 0,0 0 1 0 0,0-1-1 0 0,0 1 0 0 0,0 0 1 0 0,0 0-1 0 0,-1 0 1 0 0,1 0-1 0 0,0 0 0 0 0,0 0 1 0 0,0-1-1 0 0,0 1 0 0 0,0 0 1 0 0,0 0-1 0 0,0 0 0 0 0,-1 0 1 0 0,1 0-1 0 0,0 0 1 0 0,0 0-1 0 0,0 0 0 0 0,0 0 1 0 0,0-1-1 0 0,-1 1 0 0 0,1 0 1 0 0,0 0-1 0 0,0 0 0 0 0,0 0 1 0 0,0 0-1 0 0,-1 0 1 0 0,1 0-1 0 0,0 0 0 0 0,0 0 1 0 0,0 0-1 0 0,0 0 0 0 0,0 0 1 0 0,-1 0-1 0 0,1 0 0 0 0,0 0 1 0 0,0 1-1 0 0,0-1 1 0 0,0 0-1 0 0,-1 0 0 0 0,1 0 1 0 0,0 0-1 0 0,0 0 0 0 0,0 0 1 0 0,0 0-1 0 0,0 0 1 0 0,0 0-1 0 0,0 1 0 0 0,-1-1 1 0 0,1 0-1 0 0,-12 10-4766 0 0</inkml:trace>
+</inkml:ink>
+</file>
+
+<file path=ppt/ink/ink4.xml><?xml version="1.0" encoding="utf-8"?>
+<inkml:ink xmlns:inkml="http://www.w3.org/2003/InkML">
+  <inkml:definitions>
+    <inkml:context xml:id="ctx0">
+      <inkml:inkSource xml:id="inkSrc0">
+        <inkml:traceFormat>
+          <inkml:channel name="X" type="integer" min="-2.14748E9" max="2.14748E9" units="cm"/>
+          <inkml:channel name="Y" type="integer" min="-2.14748E9" max="2.14748E9" units="cm"/>
+          <inkml:channel name="F" type="integer" max="32767" units="dev"/>
+          <inkml:channel name="OA" type="integer" max="360" units="deg"/>
+          <inkml:channel name="OE" type="integer" max="90" units="deg"/>
+        </inkml:traceFormat>
+        <inkml:channelProperties>
+          <inkml:channelProperty channel="X" name="resolution" value="1000" units="1/cm"/>
+          <inkml:channelProperty channel="Y" name="resolution" value="1000" units="1/cm"/>
+          <inkml:channelProperty channel="F" name="resolution" value="0" units="1/dev"/>
+          <inkml:channelProperty channel="OA" name="resolution" value="1000" units="1/deg"/>
+          <inkml:channelProperty channel="OE" name="resolution" value="1000" units="1/deg"/>
+        </inkml:channelProperties>
+      </inkml:inkSource>
+      <inkml:timestamp xml:id="ts0" timeString="2020-11-30T18:00:38.729"/>
+    </inkml:context>
+    <inkml:brush xml:id="br0">
+      <inkml:brushProperty name="width" value="0.05" units="cm"/>
+      <inkml:brushProperty name="height" value="0.05" units="cm"/>
+      <inkml:brushProperty name="color" value="#004F8B"/>
+    </inkml:brush>
+  </inkml:definitions>
+  <inkml:trace contextRef="#ctx0" brushRef="#br0">38 298 5064 0 0,'-38'3'16439'0'0,"94"-2"-15227"0"0,123-5 1439 0 0,383-67 427 0 0,58-5-1859 0 0,-325 65-794 0 0,-237 10-351 0 0,191-14 512 0 0,-171 6-316 0 0,90-22-1 0 0,-126 21-111 0 0,-21 6 29 0 0,0 0 0 0 0,-1-2 0 0 0,37-15-1 0 0,-13 8-211 0 0,-31 3-634 0 0,-11 9 315 0 0,-1-1 1 0 0,1 1-1 0 0,0 0 1 0 0,-1 0-1 0 0,1 0 1 0 0,0-1 0 0 0,0 2-1 0 0,0-1 1 0 0,0 0-1 0 0,2 0 1 0 0,7-2-1068 0 0</inkml:trace>
+</inkml:ink>
 </file>
 
 <file path=ppt/notesMasters/notesMaster1.xml><?xml version="1.0" encoding="utf-8"?>
@@ -836,7 +964,7 @@
           <a:p>
             <a:fld id="{3A2BF66F-FEB0-48C1-A8B9-A73F54BB1A08}" type="datetimeFigureOut">
               <a:rPr lang="en-US" smtClean="0"/>
-              <a:t>11/29/2020</a:t>
+              <a:t>11/30/2020</a:t>
             </a:fld>
             <a:endParaRPr lang="en-US"/>
           </a:p>
@@ -1036,7 +1164,7 @@
           <a:p>
             <a:fld id="{3A2BF66F-FEB0-48C1-A8B9-A73F54BB1A08}" type="datetimeFigureOut">
               <a:rPr lang="en-US" smtClean="0"/>
-              <a:t>11/29/2020</a:t>
+              <a:t>11/30/2020</a:t>
             </a:fld>
             <a:endParaRPr lang="en-US"/>
           </a:p>
@@ -1246,7 +1374,7 @@
           <a:p>
             <a:fld id="{3A2BF66F-FEB0-48C1-A8B9-A73F54BB1A08}" type="datetimeFigureOut">
               <a:rPr lang="en-US" smtClean="0"/>
-              <a:t>11/29/2020</a:t>
+              <a:t>11/30/2020</a:t>
             </a:fld>
             <a:endParaRPr lang="en-US"/>
           </a:p>
@@ -1446,7 +1574,7 @@
           <a:p>
             <a:fld id="{3A2BF66F-FEB0-48C1-A8B9-A73F54BB1A08}" type="datetimeFigureOut">
               <a:rPr lang="en-US" smtClean="0"/>
-              <a:t>11/29/2020</a:t>
+              <a:t>11/30/2020</a:t>
             </a:fld>
             <a:endParaRPr lang="en-US"/>
           </a:p>
@@ -1723,7 +1851,7 @@
           <a:p>
             <a:fld id="{3A2BF66F-FEB0-48C1-A8B9-A73F54BB1A08}" type="datetimeFigureOut">
               <a:rPr lang="en-US" smtClean="0"/>
-              <a:t>11/29/2020</a:t>
+              <a:t>11/30/2020</a:t>
             </a:fld>
             <a:endParaRPr lang="en-US"/>
           </a:p>
@@ -1990,7 +2118,7 @@
           <a:p>
             <a:fld id="{3A2BF66F-FEB0-48C1-A8B9-A73F54BB1A08}" type="datetimeFigureOut">
               <a:rPr lang="en-US" smtClean="0"/>
-              <a:t>11/29/2020</a:t>
+              <a:t>11/30/2020</a:t>
             </a:fld>
             <a:endParaRPr lang="en-US"/>
           </a:p>
@@ -2404,7 +2532,7 @@
           <a:p>
             <a:fld id="{3A2BF66F-FEB0-48C1-A8B9-A73F54BB1A08}" type="datetimeFigureOut">
               <a:rPr lang="en-US" smtClean="0"/>
-              <a:t>11/29/2020</a:t>
+              <a:t>11/30/2020</a:t>
             </a:fld>
             <a:endParaRPr lang="en-US"/>
           </a:p>
@@ -2547,7 +2675,7 @@
           <a:p>
             <a:fld id="{3A2BF66F-FEB0-48C1-A8B9-A73F54BB1A08}" type="datetimeFigureOut">
               <a:rPr lang="en-US" smtClean="0"/>
-              <a:t>11/29/2020</a:t>
+              <a:t>11/30/2020</a:t>
             </a:fld>
             <a:endParaRPr lang="en-US"/>
           </a:p>
@@ -2662,7 +2790,7 @@
           <a:p>
             <a:fld id="{3A2BF66F-FEB0-48C1-A8B9-A73F54BB1A08}" type="datetimeFigureOut">
               <a:rPr lang="en-US" smtClean="0"/>
-              <a:t>11/29/2020</a:t>
+              <a:t>11/30/2020</a:t>
             </a:fld>
             <a:endParaRPr lang="en-US"/>
           </a:p>
@@ -2974,7 +3102,7 @@
           <a:p>
             <a:fld id="{3A2BF66F-FEB0-48C1-A8B9-A73F54BB1A08}" type="datetimeFigureOut">
               <a:rPr lang="en-US" smtClean="0"/>
-              <a:t>11/29/2020</a:t>
+              <a:t>11/30/2020</a:t>
             </a:fld>
             <a:endParaRPr lang="en-US"/>
           </a:p>
@@ -3264,7 +3392,7 @@
           <a:p>
             <a:fld id="{3A2BF66F-FEB0-48C1-A8B9-A73F54BB1A08}" type="datetimeFigureOut">
               <a:rPr lang="en-US" smtClean="0"/>
-              <a:t>11/29/2020</a:t>
+              <a:t>11/30/2020</a:t>
             </a:fld>
             <a:endParaRPr lang="en-US"/>
           </a:p>
@@ -3507,7 +3635,7 @@
           <a:p>
             <a:fld id="{3A2BF66F-FEB0-48C1-A8B9-A73F54BB1A08}" type="datetimeFigureOut">
               <a:rPr lang="en-US" smtClean="0"/>
-              <a:t>11/29/2020</a:t>
+              <a:t>11/30/2020</a:t>
             </a:fld>
             <a:endParaRPr lang="en-US"/>
           </a:p>
@@ -4126,15 +4254,7 @@
           <a:p>
             <a:r>
               <a:rPr lang="en-US" dirty="0"/>
-              <a:t>Quiz 22 due </a:t>
-            </a:r>
-            <a:r>
-              <a:rPr lang="en-US" dirty="0" err="1"/>
-              <a:t>Wednes</a:t>
-            </a:r>
-            <a:r>
-              <a:rPr lang="en-US" dirty="0"/>
-              <a:t>, December 2</a:t>
+              <a:t>Quiz 22 due Wednesday, December 2</a:t>
             </a:r>
             <a:r>
               <a:rPr lang="en-US" baseline="30000" dirty="0"/>
@@ -4186,6 +4306,159 @@
           </a:p>
         </p:txBody>
       </p:sp>
+      <mc:AlternateContent xmlns:mc="http://schemas.openxmlformats.org/markup-compatibility/2006">
+        <mc:Choice xmlns:p14="http://schemas.microsoft.com/office/powerpoint/2010/main" Requires="p14">
+          <p:contentPart p14:bwMode="auto" r:id="rId2">
+            <p14:nvContentPartPr>
+              <p14:cNvPr id="4" name="Ink 3">
+                <a:extLst>
+                  <a:ext uri="{FF2B5EF4-FFF2-40B4-BE49-F238E27FC236}">
+                    <a16:creationId xmlns:a16="http://schemas.microsoft.com/office/drawing/2014/main" id="{887B43B3-95E3-4AC9-8CF5-ECC86C096878}"/>
+                  </a:ext>
+                </a:extLst>
+              </p14:cNvPr>
+              <p14:cNvContentPartPr/>
+              <p14:nvPr/>
+            </p14:nvContentPartPr>
+            <p14:xfrm>
+              <a:off x="854569" y="1735819"/>
+              <a:ext cx="699840" cy="52200"/>
+            </p14:xfrm>
+          </p:contentPart>
+        </mc:Choice>
+        <mc:Fallback>
+          <p:pic>
+            <p:nvPicPr>
+              <p:cNvPr id="4" name="Ink 3">
+                <a:extLst>
+                  <a:ext uri="{FF2B5EF4-FFF2-40B4-BE49-F238E27FC236}">
+                    <a16:creationId xmlns:a16="http://schemas.microsoft.com/office/drawing/2014/main" id="{887B43B3-95E3-4AC9-8CF5-ECC86C096878}"/>
+                  </a:ext>
+                </a:extLst>
+              </p:cNvPr>
+              <p:cNvPicPr/>
+              <p:nvPr/>
+            </p:nvPicPr>
+            <p:blipFill>
+              <a:blip r:embed="rId3"/>
+              <a:stretch>
+                <a:fillRect/>
+              </a:stretch>
+            </p:blipFill>
+            <p:spPr>
+              <a:xfrm>
+                <a:off x="845929" y="1726819"/>
+                <a:ext cx="717480" cy="69840"/>
+              </a:xfrm>
+              <a:prstGeom prst="rect">
+                <a:avLst/>
+              </a:prstGeom>
+            </p:spPr>
+          </p:pic>
+        </mc:Fallback>
+      </mc:AlternateContent>
+      <mc:AlternateContent xmlns:mc="http://schemas.openxmlformats.org/markup-compatibility/2006">
+        <mc:Choice xmlns:p14="http://schemas.microsoft.com/office/powerpoint/2010/main" Requires="p14">
+          <p:contentPart p14:bwMode="auto" r:id="rId4">
+            <p14:nvContentPartPr>
+              <p14:cNvPr id="5" name="Ink 4">
+                <a:extLst>
+                  <a:ext uri="{FF2B5EF4-FFF2-40B4-BE49-F238E27FC236}">
+                    <a16:creationId xmlns:a16="http://schemas.microsoft.com/office/drawing/2014/main" id="{3848892A-9E99-47EC-95E5-96AB5589B9FC}"/>
+                  </a:ext>
+                </a:extLst>
+              </p14:cNvPr>
+              <p14:cNvContentPartPr/>
+              <p14:nvPr/>
+            </p14:nvContentPartPr>
+            <p14:xfrm>
+              <a:off x="886249" y="2103019"/>
+              <a:ext cx="911520" cy="47160"/>
+            </p14:xfrm>
+          </p:contentPart>
+        </mc:Choice>
+        <mc:Fallback>
+          <p:pic>
+            <p:nvPicPr>
+              <p:cNvPr id="5" name="Ink 4">
+                <a:extLst>
+                  <a:ext uri="{FF2B5EF4-FFF2-40B4-BE49-F238E27FC236}">
+                    <a16:creationId xmlns:a16="http://schemas.microsoft.com/office/drawing/2014/main" id="{3848892A-9E99-47EC-95E5-96AB5589B9FC}"/>
+                  </a:ext>
+                </a:extLst>
+              </p:cNvPr>
+              <p:cNvPicPr/>
+              <p:nvPr/>
+            </p:nvPicPr>
+            <p:blipFill>
+              <a:blip r:embed="rId5"/>
+              <a:stretch>
+                <a:fillRect/>
+              </a:stretch>
+            </p:blipFill>
+            <p:spPr>
+              <a:xfrm>
+                <a:off x="877249" y="2094019"/>
+                <a:ext cx="929160" cy="64800"/>
+              </a:xfrm>
+              <a:prstGeom prst="rect">
+                <a:avLst/>
+              </a:prstGeom>
+            </p:spPr>
+          </p:pic>
+        </mc:Fallback>
+      </mc:AlternateContent>
+      <mc:AlternateContent xmlns:mc="http://schemas.openxmlformats.org/markup-compatibility/2006">
+        <mc:Choice xmlns:p14="http://schemas.microsoft.com/office/powerpoint/2010/main" Requires="p14">
+          <p:contentPart p14:bwMode="auto" r:id="rId6">
+            <p14:nvContentPartPr>
+              <p14:cNvPr id="6" name="Ink 5">
+                <a:extLst>
+                  <a:ext uri="{FF2B5EF4-FFF2-40B4-BE49-F238E27FC236}">
+                    <a16:creationId xmlns:a16="http://schemas.microsoft.com/office/drawing/2014/main" id="{F3E4755A-C2B9-4516-92F5-594E7E7597DE}"/>
+                  </a:ext>
+                </a:extLst>
+              </p14:cNvPr>
+              <p14:cNvContentPartPr/>
+              <p14:nvPr/>
+            </p14:nvContentPartPr>
+            <p14:xfrm>
+              <a:off x="1808209" y="2591899"/>
+              <a:ext cx="859320" cy="78120"/>
+            </p14:xfrm>
+          </p:contentPart>
+        </mc:Choice>
+        <mc:Fallback>
+          <p:pic>
+            <p:nvPicPr>
+              <p:cNvPr id="6" name="Ink 5">
+                <a:extLst>
+                  <a:ext uri="{FF2B5EF4-FFF2-40B4-BE49-F238E27FC236}">
+                    <a16:creationId xmlns:a16="http://schemas.microsoft.com/office/drawing/2014/main" id="{F3E4755A-C2B9-4516-92F5-594E7E7597DE}"/>
+                  </a:ext>
+                </a:extLst>
+              </p:cNvPr>
+              <p:cNvPicPr/>
+              <p:nvPr/>
+            </p:nvPicPr>
+            <p:blipFill>
+              <a:blip r:embed="rId7"/>
+              <a:stretch>
+                <a:fillRect/>
+              </a:stretch>
+            </p:blipFill>
+            <p:spPr>
+              <a:xfrm>
+                <a:off x="1799569" y="2582899"/>
+                <a:ext cx="876960" cy="95760"/>
+              </a:xfrm>
+              <a:prstGeom prst="rect">
+                <a:avLst/>
+              </a:prstGeom>
+            </p:spPr>
+          </p:pic>
+        </mc:Fallback>
+      </mc:AlternateContent>
     </p:spTree>
     <p:extLst>
       <p:ext uri="{BB962C8B-B14F-4D97-AF65-F5344CB8AC3E}">
@@ -4281,6 +4554,57 @@
           </a:p>
         </p:txBody>
       </p:sp>
+      <mc:AlternateContent xmlns:mc="http://schemas.openxmlformats.org/markup-compatibility/2006">
+        <mc:Choice xmlns:p14="http://schemas.microsoft.com/office/powerpoint/2010/main" Requires="p14">
+          <p:contentPart p14:bwMode="auto" r:id="rId2">
+            <p14:nvContentPartPr>
+              <p14:cNvPr id="4" name="Ink 3">
+                <a:extLst>
+                  <a:ext uri="{FF2B5EF4-FFF2-40B4-BE49-F238E27FC236}">
+                    <a16:creationId xmlns:a16="http://schemas.microsoft.com/office/drawing/2014/main" id="{77ED2D7D-5C99-408E-8411-FBA1E41F6A9B}"/>
+                  </a:ext>
+                </a:extLst>
+              </p14:cNvPr>
+              <p14:cNvContentPartPr/>
+              <p14:nvPr/>
+            </p14:nvContentPartPr>
+            <p14:xfrm>
+              <a:off x="851329" y="1655539"/>
+              <a:ext cx="906120" cy="108720"/>
+            </p14:xfrm>
+          </p:contentPart>
+        </mc:Choice>
+        <mc:Fallback>
+          <p:pic>
+            <p:nvPicPr>
+              <p:cNvPr id="4" name="Ink 3">
+                <a:extLst>
+                  <a:ext uri="{FF2B5EF4-FFF2-40B4-BE49-F238E27FC236}">
+                    <a16:creationId xmlns:a16="http://schemas.microsoft.com/office/drawing/2014/main" id="{77ED2D7D-5C99-408E-8411-FBA1E41F6A9B}"/>
+                  </a:ext>
+                </a:extLst>
+              </p:cNvPr>
+              <p:cNvPicPr/>
+              <p:nvPr/>
+            </p:nvPicPr>
+            <p:blipFill>
+              <a:blip r:embed="rId3"/>
+              <a:stretch>
+                <a:fillRect/>
+              </a:stretch>
+            </p:blipFill>
+            <p:spPr>
+              <a:xfrm>
+                <a:off x="842329" y="1646899"/>
+                <a:ext cx="923760" cy="126360"/>
+              </a:xfrm>
+              <a:prstGeom prst="rect">
+                <a:avLst/>
+              </a:prstGeom>
+            </p:spPr>
+          </p:pic>
+        </mc:Fallback>
+      </mc:AlternateContent>
     </p:spTree>
     <p:extLst>
       <p:ext uri="{BB962C8B-B14F-4D97-AF65-F5344CB8AC3E}">
